--- a/cparvini/FowlerFlapPresentation.pptx
+++ b/cparvini/FowlerFlapPresentation.pptx
@@ -4,13 +4,17 @@
   <p:sldMasterIdLst>
     <p:sldMasterId id="2147483708" r:id="rId1"/>
   </p:sldMasterIdLst>
+  <p:notesMasterIdLst>
+    <p:notesMasterId r:id="rId9"/>
+  </p:notesMasterIdLst>
   <p:sldIdLst>
     <p:sldId id="256" r:id="rId2"/>
     <p:sldId id="257" r:id="rId3"/>
     <p:sldId id="258" r:id="rId4"/>
     <p:sldId id="259" r:id="rId5"/>
     <p:sldId id="260" r:id="rId6"/>
-    <p:sldId id="261" r:id="rId7"/>
+    <p:sldId id="262" r:id="rId7"/>
+    <p:sldId id="261" r:id="rId8"/>
   </p:sldIdLst>
   <p:sldSz cx="9144000" cy="6858000" type="screen4x3"/>
   <p:notesSz cx="6858000" cy="9144000"/>
@@ -112,6 +116,1101 @@
 </p:presentation>
 </file>
 
+<file path=ppt/notesMasters/notesMaster1.xml><?xml version="1.0" encoding="utf-8"?>
+<p:notesMaster xmlns:a="http://schemas.openxmlformats.org/drawingml/2006/main" xmlns:r="http://schemas.openxmlformats.org/officeDocument/2006/relationships" xmlns:p="http://schemas.openxmlformats.org/presentationml/2006/main">
+  <p:cSld>
+    <p:bg>
+      <p:bgRef idx="1001">
+        <a:schemeClr val="bg1"/>
+      </p:bgRef>
+    </p:bg>
+    <p:spTree>
+      <p:nvGrpSpPr>
+        <p:cNvPr id="1" name=""/>
+        <p:cNvGrpSpPr/>
+        <p:nvPr/>
+      </p:nvGrpSpPr>
+      <p:grpSpPr>
+        <a:xfrm>
+          <a:off x="0" y="0"/>
+          <a:ext cx="0" cy="0"/>
+          <a:chOff x="0" y="0"/>
+          <a:chExt cx="0" cy="0"/>
+        </a:xfrm>
+      </p:grpSpPr>
+      <p:sp>
+        <p:nvSpPr>
+          <p:cNvPr id="2" name="Header Placeholder 1"/>
+          <p:cNvSpPr>
+            <a:spLocks noGrp="1"/>
+          </p:cNvSpPr>
+          <p:nvPr>
+            <p:ph type="hdr" sz="quarter"/>
+          </p:nvPr>
+        </p:nvSpPr>
+        <p:spPr>
+          <a:xfrm>
+            <a:off x="0" y="0"/>
+            <a:ext cx="2971800" cy="457200"/>
+          </a:xfrm>
+          <a:prstGeom prst="rect">
+            <a:avLst/>
+          </a:prstGeom>
+        </p:spPr>
+        <p:txBody>
+          <a:bodyPr vert="horz" lIns="91440" tIns="45720" rIns="91440" bIns="45720" rtlCol="0"/>
+          <a:lstStyle>
+            <a:lvl1pPr algn="l">
+              <a:defRPr sz="1200"/>
+            </a:lvl1pPr>
+          </a:lstStyle>
+          <a:p>
+            <a:endParaRPr lang="en-US"/>
+          </a:p>
+        </p:txBody>
+      </p:sp>
+      <p:sp>
+        <p:nvSpPr>
+          <p:cNvPr id="3" name="Date Placeholder 2"/>
+          <p:cNvSpPr>
+            <a:spLocks noGrp="1"/>
+          </p:cNvSpPr>
+          <p:nvPr>
+            <p:ph type="dt" idx="1"/>
+          </p:nvPr>
+        </p:nvSpPr>
+        <p:spPr>
+          <a:xfrm>
+            <a:off x="3884613" y="0"/>
+            <a:ext cx="2971800" cy="457200"/>
+          </a:xfrm>
+          <a:prstGeom prst="rect">
+            <a:avLst/>
+          </a:prstGeom>
+        </p:spPr>
+        <p:txBody>
+          <a:bodyPr vert="horz" lIns="91440" tIns="45720" rIns="91440" bIns="45720" rtlCol="0"/>
+          <a:lstStyle>
+            <a:lvl1pPr algn="r">
+              <a:defRPr sz="1200"/>
+            </a:lvl1pPr>
+          </a:lstStyle>
+          <a:p>
+            <a:fld id="{D727D3ED-731D-2841-96A9-A0C287BC3A2F}" type="datetimeFigureOut">
+              <a:rPr lang="en-US" smtClean="0"/>
+              <a:pPr/>
+              <a:t>5/7/2015</a:t>
+            </a:fld>
+            <a:endParaRPr lang="en-US"/>
+          </a:p>
+        </p:txBody>
+      </p:sp>
+      <p:sp>
+        <p:nvSpPr>
+          <p:cNvPr id="4" name="Slide Image Placeholder 3"/>
+          <p:cNvSpPr>
+            <a:spLocks noGrp="1" noRot="1" noChangeAspect="1"/>
+          </p:cNvSpPr>
+          <p:nvPr>
+            <p:ph type="sldImg" idx="2"/>
+          </p:nvPr>
+        </p:nvSpPr>
+        <p:spPr>
+          <a:xfrm>
+            <a:off x="1143000" y="685800"/>
+            <a:ext cx="4572000" cy="3429000"/>
+          </a:xfrm>
+          <a:prstGeom prst="rect">
+            <a:avLst/>
+          </a:prstGeom>
+          <a:noFill/>
+          <a:ln w="12700">
+            <a:solidFill>
+              <a:prstClr val="black"/>
+            </a:solidFill>
+          </a:ln>
+        </p:spPr>
+        <p:txBody>
+          <a:bodyPr vert="horz" lIns="91440" tIns="45720" rIns="91440" bIns="45720" rtlCol="0" anchor="ctr"/>
+          <a:lstStyle/>
+          <a:p>
+            <a:endParaRPr lang="en-US"/>
+          </a:p>
+        </p:txBody>
+      </p:sp>
+      <p:sp>
+        <p:nvSpPr>
+          <p:cNvPr id="5" name="Notes Placeholder 4"/>
+          <p:cNvSpPr>
+            <a:spLocks noGrp="1"/>
+          </p:cNvSpPr>
+          <p:nvPr>
+            <p:ph type="body" sz="quarter" idx="3"/>
+          </p:nvPr>
+        </p:nvSpPr>
+        <p:spPr>
+          <a:xfrm>
+            <a:off x="685800" y="4343400"/>
+            <a:ext cx="5486400" cy="4114800"/>
+          </a:xfrm>
+          <a:prstGeom prst="rect">
+            <a:avLst/>
+          </a:prstGeom>
+        </p:spPr>
+        <p:txBody>
+          <a:bodyPr vert="horz" lIns="91440" tIns="45720" rIns="91440" bIns="45720" rtlCol="0"/>
+          <a:lstStyle/>
+          <a:p>
+            <a:pPr lvl="0"/>
+            <a:r>
+              <a:rPr lang="en-US" smtClean="0"/>
+              <a:t>Click to edit Master text styles</a:t>
+            </a:r>
+          </a:p>
+          <a:p>
+            <a:pPr lvl="1"/>
+            <a:r>
+              <a:rPr lang="en-US" smtClean="0"/>
+              <a:t>Second level</a:t>
+            </a:r>
+          </a:p>
+          <a:p>
+            <a:pPr lvl="2"/>
+            <a:r>
+              <a:rPr lang="en-US" smtClean="0"/>
+              <a:t>Third level</a:t>
+            </a:r>
+          </a:p>
+          <a:p>
+            <a:pPr lvl="3"/>
+            <a:r>
+              <a:rPr lang="en-US" smtClean="0"/>
+              <a:t>Fourth level</a:t>
+            </a:r>
+          </a:p>
+          <a:p>
+            <a:pPr lvl="4"/>
+            <a:r>
+              <a:rPr lang="en-US" smtClean="0"/>
+              <a:t>Fifth level</a:t>
+            </a:r>
+            <a:endParaRPr lang="en-US"/>
+          </a:p>
+        </p:txBody>
+      </p:sp>
+      <p:sp>
+        <p:nvSpPr>
+          <p:cNvPr id="6" name="Footer Placeholder 5"/>
+          <p:cNvSpPr>
+            <a:spLocks noGrp="1"/>
+          </p:cNvSpPr>
+          <p:nvPr>
+            <p:ph type="ftr" sz="quarter" idx="4"/>
+          </p:nvPr>
+        </p:nvSpPr>
+        <p:spPr>
+          <a:xfrm>
+            <a:off x="0" y="8685213"/>
+            <a:ext cx="2971800" cy="457200"/>
+          </a:xfrm>
+          <a:prstGeom prst="rect">
+            <a:avLst/>
+          </a:prstGeom>
+        </p:spPr>
+        <p:txBody>
+          <a:bodyPr vert="horz" lIns="91440" tIns="45720" rIns="91440" bIns="45720" rtlCol="0" anchor="b"/>
+          <a:lstStyle>
+            <a:lvl1pPr algn="l">
+              <a:defRPr sz="1200"/>
+            </a:lvl1pPr>
+          </a:lstStyle>
+          <a:p>
+            <a:endParaRPr lang="en-US"/>
+          </a:p>
+        </p:txBody>
+      </p:sp>
+      <p:sp>
+        <p:nvSpPr>
+          <p:cNvPr id="7" name="Slide Number Placeholder 6"/>
+          <p:cNvSpPr>
+            <a:spLocks noGrp="1"/>
+          </p:cNvSpPr>
+          <p:nvPr>
+            <p:ph type="sldNum" sz="quarter" idx="5"/>
+          </p:nvPr>
+        </p:nvSpPr>
+        <p:spPr>
+          <a:xfrm>
+            <a:off x="3884613" y="8685213"/>
+            <a:ext cx="2971800" cy="457200"/>
+          </a:xfrm>
+          <a:prstGeom prst="rect">
+            <a:avLst/>
+          </a:prstGeom>
+        </p:spPr>
+        <p:txBody>
+          <a:bodyPr vert="horz" lIns="91440" tIns="45720" rIns="91440" bIns="45720" rtlCol="0" anchor="b"/>
+          <a:lstStyle>
+            <a:lvl1pPr algn="r">
+              <a:defRPr sz="1200"/>
+            </a:lvl1pPr>
+          </a:lstStyle>
+          <a:p>
+            <a:fld id="{58F45290-0B7A-E34A-A3AC-EB5A8E6CA9CC}" type="slidenum">
+              <a:rPr lang="en-US" smtClean="0"/>
+              <a:pPr/>
+              <a:t>‹#›</a:t>
+            </a:fld>
+            <a:endParaRPr lang="en-US"/>
+          </a:p>
+        </p:txBody>
+      </p:sp>
+    </p:spTree>
+    <p:extLst>
+      <p:ext uri="{BB962C8B-B14F-4D97-AF65-F5344CB8AC3E}">
+        <p14:creationId xmlns:p14="http://schemas.microsoft.com/office/powerpoint/2010/main" xmlns="" val="363850739"/>
+      </p:ext>
+    </p:extLst>
+  </p:cSld>
+  <p:clrMap bg1="lt1" tx1="dk1" bg2="lt2" tx2="dk2" accent1="accent1" accent2="accent2" accent3="accent3" accent4="accent4" accent5="accent5" accent6="accent6" hlink="hlink" folHlink="folHlink"/>
+  <p:notesStyle>
+    <a:lvl1pPr marL="0" algn="l" defTabSz="457200" rtl="0" eaLnBrk="1" latinLnBrk="0" hangingPunct="1">
+      <a:defRPr sz="1200" kern="1200">
+        <a:solidFill>
+          <a:schemeClr val="tx1"/>
+        </a:solidFill>
+        <a:latin typeface="+mn-lt"/>
+        <a:ea typeface="+mn-ea"/>
+        <a:cs typeface="+mn-cs"/>
+      </a:defRPr>
+    </a:lvl1pPr>
+    <a:lvl2pPr marL="457200" algn="l" defTabSz="457200" rtl="0" eaLnBrk="1" latinLnBrk="0" hangingPunct="1">
+      <a:defRPr sz="1200" kern="1200">
+        <a:solidFill>
+          <a:schemeClr val="tx1"/>
+        </a:solidFill>
+        <a:latin typeface="+mn-lt"/>
+        <a:ea typeface="+mn-ea"/>
+        <a:cs typeface="+mn-cs"/>
+      </a:defRPr>
+    </a:lvl2pPr>
+    <a:lvl3pPr marL="914400" algn="l" defTabSz="457200" rtl="0" eaLnBrk="1" latinLnBrk="0" hangingPunct="1">
+      <a:defRPr sz="1200" kern="1200">
+        <a:solidFill>
+          <a:schemeClr val="tx1"/>
+        </a:solidFill>
+        <a:latin typeface="+mn-lt"/>
+        <a:ea typeface="+mn-ea"/>
+        <a:cs typeface="+mn-cs"/>
+      </a:defRPr>
+    </a:lvl3pPr>
+    <a:lvl4pPr marL="1371600" algn="l" defTabSz="457200" rtl="0" eaLnBrk="1" latinLnBrk="0" hangingPunct="1">
+      <a:defRPr sz="1200" kern="1200">
+        <a:solidFill>
+          <a:schemeClr val="tx1"/>
+        </a:solidFill>
+        <a:latin typeface="+mn-lt"/>
+        <a:ea typeface="+mn-ea"/>
+        <a:cs typeface="+mn-cs"/>
+      </a:defRPr>
+    </a:lvl4pPr>
+    <a:lvl5pPr marL="1828800" algn="l" defTabSz="457200" rtl="0" eaLnBrk="1" latinLnBrk="0" hangingPunct="1">
+      <a:defRPr sz="1200" kern="1200">
+        <a:solidFill>
+          <a:schemeClr val="tx1"/>
+        </a:solidFill>
+        <a:latin typeface="+mn-lt"/>
+        <a:ea typeface="+mn-ea"/>
+        <a:cs typeface="+mn-cs"/>
+      </a:defRPr>
+    </a:lvl5pPr>
+    <a:lvl6pPr marL="2286000" algn="l" defTabSz="457200" rtl="0" eaLnBrk="1" latinLnBrk="0" hangingPunct="1">
+      <a:defRPr sz="1200" kern="1200">
+        <a:solidFill>
+          <a:schemeClr val="tx1"/>
+        </a:solidFill>
+        <a:latin typeface="+mn-lt"/>
+        <a:ea typeface="+mn-ea"/>
+        <a:cs typeface="+mn-cs"/>
+      </a:defRPr>
+    </a:lvl6pPr>
+    <a:lvl7pPr marL="2743200" algn="l" defTabSz="457200" rtl="0" eaLnBrk="1" latinLnBrk="0" hangingPunct="1">
+      <a:defRPr sz="1200" kern="1200">
+        <a:solidFill>
+          <a:schemeClr val="tx1"/>
+        </a:solidFill>
+        <a:latin typeface="+mn-lt"/>
+        <a:ea typeface="+mn-ea"/>
+        <a:cs typeface="+mn-cs"/>
+      </a:defRPr>
+    </a:lvl7pPr>
+    <a:lvl8pPr marL="3200400" algn="l" defTabSz="457200" rtl="0" eaLnBrk="1" latinLnBrk="0" hangingPunct="1">
+      <a:defRPr sz="1200" kern="1200">
+        <a:solidFill>
+          <a:schemeClr val="tx1"/>
+        </a:solidFill>
+        <a:latin typeface="+mn-lt"/>
+        <a:ea typeface="+mn-ea"/>
+        <a:cs typeface="+mn-cs"/>
+      </a:defRPr>
+    </a:lvl8pPr>
+    <a:lvl9pPr marL="3657600" algn="l" defTabSz="457200" rtl="0" eaLnBrk="1" latinLnBrk="0" hangingPunct="1">
+      <a:defRPr sz="1200" kern="1200">
+        <a:solidFill>
+          <a:schemeClr val="tx1"/>
+        </a:solidFill>
+        <a:latin typeface="+mn-lt"/>
+        <a:ea typeface="+mn-ea"/>
+        <a:cs typeface="+mn-cs"/>
+      </a:defRPr>
+    </a:lvl9pPr>
+  </p:notesStyle>
+</p:notesMaster>
+</file>
+
+<file path=ppt/notesSlides/notesSlide1.xml><?xml version="1.0" encoding="utf-8"?>
+<p:notes xmlns:a="http://schemas.openxmlformats.org/drawingml/2006/main" xmlns:r="http://schemas.openxmlformats.org/officeDocument/2006/relationships" xmlns:p="http://schemas.openxmlformats.org/presentationml/2006/main">
+  <p:cSld>
+    <p:spTree>
+      <p:nvGrpSpPr>
+        <p:cNvPr id="1" name=""/>
+        <p:cNvGrpSpPr/>
+        <p:nvPr/>
+      </p:nvGrpSpPr>
+      <p:grpSpPr>
+        <a:xfrm>
+          <a:off x="0" y="0"/>
+          <a:ext cx="0" cy="0"/>
+          <a:chOff x="0" y="0"/>
+          <a:chExt cx="0" cy="0"/>
+        </a:xfrm>
+      </p:grpSpPr>
+      <p:sp>
+        <p:nvSpPr>
+          <p:cNvPr id="2" name="Slide Image Placeholder 1"/>
+          <p:cNvSpPr>
+            <a:spLocks noGrp="1" noRot="1" noChangeAspect="1"/>
+          </p:cNvSpPr>
+          <p:nvPr>
+            <p:ph type="sldImg"/>
+          </p:nvPr>
+        </p:nvSpPr>
+        <p:spPr/>
+      </p:sp>
+      <p:sp>
+        <p:nvSpPr>
+          <p:cNvPr id="3" name="Notes Placeholder 2"/>
+          <p:cNvSpPr>
+            <a:spLocks noGrp="1"/>
+          </p:cNvSpPr>
+          <p:nvPr>
+            <p:ph type="body" idx="1"/>
+          </p:nvPr>
+        </p:nvSpPr>
+        <p:spPr/>
+        <p:txBody>
+          <a:bodyPr/>
+          <a:lstStyle/>
+          <a:p>
+            <a:r>
+              <a:rPr lang="en-US" dirty="0" smtClean="0"/>
+              <a:t>Still in use today:</a:t>
+            </a:r>
+          </a:p>
+          <a:p>
+            <a:pPr lvl="1"/>
+            <a:r>
+              <a:rPr lang="en-US" dirty="0" smtClean="0"/>
+              <a:t>Boeing 707, 737, 747</a:t>
+            </a:r>
+          </a:p>
+          <a:p>
+            <a:pPr lvl="1"/>
+            <a:r>
+              <a:rPr lang="en-US" dirty="0" smtClean="0"/>
+              <a:t>Lockheed Martin C-130</a:t>
+            </a:r>
+          </a:p>
+          <a:p>
+            <a:pPr lvl="1"/>
+            <a:r>
+              <a:rPr lang="en-US" dirty="0" smtClean="0"/>
+              <a:t>Northrop-Grumman E-2C</a:t>
+            </a:r>
+          </a:p>
+          <a:p>
+            <a:pPr lvl="1"/>
+            <a:r>
+              <a:rPr lang="en-US" dirty="0" smtClean="0"/>
+              <a:t>Etc.</a:t>
+            </a:r>
+          </a:p>
+          <a:p>
+            <a:endParaRPr lang="en-US" dirty="0"/>
+          </a:p>
+        </p:txBody>
+      </p:sp>
+      <p:sp>
+        <p:nvSpPr>
+          <p:cNvPr id="4" name="Slide Number Placeholder 3"/>
+          <p:cNvSpPr>
+            <a:spLocks noGrp="1"/>
+          </p:cNvSpPr>
+          <p:nvPr>
+            <p:ph type="sldNum" sz="quarter" idx="10"/>
+          </p:nvPr>
+        </p:nvSpPr>
+        <p:spPr/>
+        <p:txBody>
+          <a:bodyPr/>
+          <a:lstStyle/>
+          <a:p>
+            <a:fld id="{58F45290-0B7A-E34A-A3AC-EB5A8E6CA9CC}" type="slidenum">
+              <a:rPr lang="en-US" smtClean="0"/>
+              <a:pPr/>
+              <a:t>2</a:t>
+            </a:fld>
+            <a:endParaRPr lang="en-US"/>
+          </a:p>
+        </p:txBody>
+      </p:sp>
+    </p:spTree>
+    <p:extLst>
+      <p:ext uri="{BB962C8B-B14F-4D97-AF65-F5344CB8AC3E}">
+        <p14:creationId xmlns:p14="http://schemas.microsoft.com/office/powerpoint/2010/main" xmlns="" val="2905559848"/>
+      </p:ext>
+    </p:extLst>
+  </p:cSld>
+  <p:clrMapOvr>
+    <a:masterClrMapping/>
+  </p:clrMapOvr>
+</p:notes>
+</file>
+
+<file path=ppt/notesSlides/notesSlide2.xml><?xml version="1.0" encoding="utf-8"?>
+<p:notes xmlns:a="http://schemas.openxmlformats.org/drawingml/2006/main" xmlns:r="http://schemas.openxmlformats.org/officeDocument/2006/relationships" xmlns:p="http://schemas.openxmlformats.org/presentationml/2006/main">
+  <p:cSld>
+    <p:spTree>
+      <p:nvGrpSpPr>
+        <p:cNvPr id="1" name=""/>
+        <p:cNvGrpSpPr/>
+        <p:nvPr/>
+      </p:nvGrpSpPr>
+      <p:grpSpPr>
+        <a:xfrm>
+          <a:off x="0" y="0"/>
+          <a:ext cx="0" cy="0"/>
+          <a:chOff x="0" y="0"/>
+          <a:chExt cx="0" cy="0"/>
+        </a:xfrm>
+      </p:grpSpPr>
+      <p:sp>
+        <p:nvSpPr>
+          <p:cNvPr id="2" name="Slide Image Placeholder 1"/>
+          <p:cNvSpPr>
+            <a:spLocks noGrp="1" noRot="1" noChangeAspect="1"/>
+          </p:cNvSpPr>
+          <p:nvPr>
+            <p:ph type="sldImg"/>
+          </p:nvPr>
+        </p:nvSpPr>
+        <p:spPr/>
+      </p:sp>
+      <p:sp>
+        <p:nvSpPr>
+          <p:cNvPr id="3" name="Notes Placeholder 2"/>
+          <p:cNvSpPr>
+            <a:spLocks noGrp="1"/>
+          </p:cNvSpPr>
+          <p:nvPr>
+            <p:ph type="body" idx="1"/>
+          </p:nvPr>
+        </p:nvSpPr>
+        <p:spPr/>
+        <p:txBody>
+          <a:bodyPr/>
+          <a:lstStyle/>
+          <a:p>
+            <a:pPr lvl="1"/>
+            <a:r>
+              <a:rPr lang="en-US" dirty="0" err="1" smtClean="0"/>
+              <a:t>build_rhs</a:t>
+            </a:r>
+            <a:r>
+              <a:rPr lang="en-US" dirty="0" smtClean="0"/>
+              <a:t>( ); additional index for our second </a:t>
+            </a:r>
+            <a:r>
+              <a:rPr lang="en-US" dirty="0" err="1" smtClean="0"/>
+              <a:t>Kutta</a:t>
+            </a:r>
+            <a:r>
+              <a:rPr lang="en-US" dirty="0" smtClean="0"/>
+              <a:t> Condition</a:t>
+            </a:r>
+          </a:p>
+          <a:p>
+            <a:pPr lvl="1"/>
+            <a:r>
+              <a:rPr lang="en-US" dirty="0" err="1" smtClean="0"/>
+              <a:t>build_matrix</a:t>
+            </a:r>
+            <a:r>
+              <a:rPr lang="en-US" dirty="0" smtClean="0"/>
+              <a:t>( ); reformatted to complete all the math without the use of as many functions.</a:t>
+            </a:r>
+          </a:p>
+          <a:p>
+            <a:pPr lvl="1"/>
+            <a:r>
+              <a:rPr lang="en-US" dirty="0" err="1" smtClean="0"/>
+              <a:t>get_tangential_velocity</a:t>
+            </a:r>
+            <a:r>
+              <a:rPr lang="en-US" dirty="0" smtClean="0"/>
+              <a:t>( ); additional argument for </a:t>
+            </a:r>
+            <a:r>
+              <a:rPr lang="en-US" dirty="0" err="1" smtClean="0"/>
+              <a:t>A</a:t>
+            </a:r>
+            <a:r>
+              <a:rPr lang="en-US" baseline="-25000" dirty="0" err="1" smtClean="0"/>
+              <a:t>ij</a:t>
+            </a:r>
+            <a:r>
+              <a:rPr lang="en-US" baseline="30000" dirty="0" err="1" smtClean="0"/>
+              <a:t>t</a:t>
+            </a:r>
+            <a:endParaRPr lang="en-US" baseline="30000" dirty="0" smtClean="0"/>
+          </a:p>
+          <a:p>
+            <a:endParaRPr lang="en-US" dirty="0"/>
+          </a:p>
+        </p:txBody>
+      </p:sp>
+      <p:sp>
+        <p:nvSpPr>
+          <p:cNvPr id="4" name="Slide Number Placeholder 3"/>
+          <p:cNvSpPr>
+            <a:spLocks noGrp="1"/>
+          </p:cNvSpPr>
+          <p:nvPr>
+            <p:ph type="sldNum" sz="quarter" idx="10"/>
+          </p:nvPr>
+        </p:nvSpPr>
+        <p:spPr/>
+        <p:txBody>
+          <a:bodyPr/>
+          <a:lstStyle/>
+          <a:p>
+            <a:fld id="{58F45290-0B7A-E34A-A3AC-EB5A8E6CA9CC}" type="slidenum">
+              <a:rPr lang="en-US" smtClean="0"/>
+              <a:pPr/>
+              <a:t>4</a:t>
+            </a:fld>
+            <a:endParaRPr lang="en-US"/>
+          </a:p>
+        </p:txBody>
+      </p:sp>
+    </p:spTree>
+    <p:extLst>
+      <p:ext uri="{BB962C8B-B14F-4D97-AF65-F5344CB8AC3E}">
+        <p14:creationId xmlns:p14="http://schemas.microsoft.com/office/powerpoint/2010/main" xmlns="" val="3298715155"/>
+      </p:ext>
+    </p:extLst>
+  </p:cSld>
+  <p:clrMapOvr>
+    <a:masterClrMapping/>
+  </p:clrMapOvr>
+</p:notes>
+</file>
+
+<file path=ppt/notesSlides/notesSlide3.xml><?xml version="1.0" encoding="utf-8"?>
+<p:notes xmlns:a="http://schemas.openxmlformats.org/drawingml/2006/main" xmlns:r="http://schemas.openxmlformats.org/officeDocument/2006/relationships" xmlns:p="http://schemas.openxmlformats.org/presentationml/2006/main">
+  <p:cSld>
+    <p:spTree>
+      <p:nvGrpSpPr>
+        <p:cNvPr id="1" name=""/>
+        <p:cNvGrpSpPr/>
+        <p:nvPr/>
+      </p:nvGrpSpPr>
+      <p:grpSpPr>
+        <a:xfrm>
+          <a:off x="0" y="0"/>
+          <a:ext cx="0" cy="0"/>
+          <a:chOff x="0" y="0"/>
+          <a:chExt cx="0" cy="0"/>
+        </a:xfrm>
+      </p:grpSpPr>
+      <p:sp>
+        <p:nvSpPr>
+          <p:cNvPr id="2" name="Slide Image Placeholder 1"/>
+          <p:cNvSpPr>
+            <a:spLocks noGrp="1" noRot="1" noChangeAspect="1"/>
+          </p:cNvSpPr>
+          <p:nvPr>
+            <p:ph type="sldImg"/>
+          </p:nvPr>
+        </p:nvSpPr>
+        <p:spPr/>
+      </p:sp>
+      <p:sp>
+        <p:nvSpPr>
+          <p:cNvPr id="3" name="Notes Placeholder 2"/>
+          <p:cNvSpPr>
+            <a:spLocks noGrp="1"/>
+          </p:cNvSpPr>
+          <p:nvPr>
+            <p:ph type="body" idx="1"/>
+          </p:nvPr>
+        </p:nvSpPr>
+        <p:spPr/>
+        <p:txBody>
+          <a:bodyPr/>
+          <a:lstStyle/>
+          <a:p>
+            <a:pPr marL="0" marR="0" lvl="1" indent="0" algn="l" defTabSz="457200" rtl="0" eaLnBrk="1" fontAlgn="auto" latinLnBrk="0" hangingPunct="1">
+              <a:lnSpc>
+                <a:spcPct val="100000"/>
+              </a:lnSpc>
+              <a:spcBef>
+                <a:spcPts val="0"/>
+              </a:spcBef>
+              <a:spcAft>
+                <a:spcPts val="0"/>
+              </a:spcAft>
+              <a:buClrTx/>
+              <a:buSzTx/>
+              <a:buFontTx/>
+              <a:buNone/>
+              <a:tabLst/>
+              <a:defRPr/>
+            </a:pPr>
+            <a:r>
+              <a:rPr lang="en-US" dirty="0" err="1" smtClean="0"/>
+              <a:t>Cp</a:t>
+            </a:r>
+            <a:r>
+              <a:rPr lang="en-US" dirty="0" smtClean="0"/>
+              <a:t> Breaks down at higher flap angles, as expected</a:t>
+            </a:r>
+          </a:p>
+          <a:p>
+            <a:pPr marL="0" marR="0" lvl="1" indent="0" algn="l" defTabSz="457200" rtl="0" eaLnBrk="1" fontAlgn="auto" latinLnBrk="0" hangingPunct="1">
+              <a:lnSpc>
+                <a:spcPct val="100000"/>
+              </a:lnSpc>
+              <a:spcBef>
+                <a:spcPts val="0"/>
+              </a:spcBef>
+              <a:spcAft>
+                <a:spcPts val="0"/>
+              </a:spcAft>
+              <a:buClrTx/>
+              <a:buSzTx/>
+              <a:buFontTx/>
+              <a:buNone/>
+              <a:tabLst/>
+              <a:defRPr/>
+            </a:pPr>
+            <a:r>
+              <a:rPr lang="en-US" dirty="0" smtClean="0"/>
+              <a:t>Action required to both slide and rotate the flap proved “choppy” and imprecise – scrapped instead to focus on flap angle.</a:t>
+            </a:r>
+          </a:p>
+          <a:p>
+            <a:pPr marL="0" marR="0" lvl="1" indent="0" algn="l" defTabSz="457200" rtl="0" eaLnBrk="1" fontAlgn="auto" latinLnBrk="0" hangingPunct="1">
+              <a:lnSpc>
+                <a:spcPct val="100000"/>
+              </a:lnSpc>
+              <a:spcBef>
+                <a:spcPts val="0"/>
+              </a:spcBef>
+              <a:spcAft>
+                <a:spcPts val="0"/>
+              </a:spcAft>
+              <a:buClrTx/>
+              <a:buSzTx/>
+              <a:buFontTx/>
+              <a:buNone/>
+              <a:tabLst/>
+              <a:defRPr/>
+            </a:pPr>
+            <a:r>
+              <a:rPr lang="en-US" dirty="0" smtClean="0"/>
+              <a:t>Animation: Could improve by increasing steps and decreasing the change in flap angle.</a:t>
+            </a:r>
+          </a:p>
+          <a:p>
+            <a:pPr lvl="1"/>
+            <a:r>
+              <a:rPr lang="en-US" dirty="0" smtClean="0"/>
+              <a:t>Issues mainly with the time to render all of the steps.</a:t>
+            </a:r>
+          </a:p>
+          <a:p>
+            <a:pPr marL="0" marR="0" lvl="1" indent="0" algn="l" defTabSz="457200" rtl="0" eaLnBrk="1" fontAlgn="auto" latinLnBrk="0" hangingPunct="1">
+              <a:lnSpc>
+                <a:spcPct val="100000"/>
+              </a:lnSpc>
+              <a:spcBef>
+                <a:spcPts val="0"/>
+              </a:spcBef>
+              <a:spcAft>
+                <a:spcPts val="0"/>
+              </a:spcAft>
+              <a:buClrTx/>
+              <a:buSzTx/>
+              <a:buFontTx/>
+              <a:buNone/>
+              <a:tabLst/>
+              <a:defRPr/>
+            </a:pPr>
+            <a:endParaRPr lang="en-US" dirty="0" smtClean="0"/>
+          </a:p>
+          <a:p>
+            <a:endParaRPr lang="en-US" dirty="0"/>
+          </a:p>
+        </p:txBody>
+      </p:sp>
+      <p:sp>
+        <p:nvSpPr>
+          <p:cNvPr id="4" name="Slide Number Placeholder 3"/>
+          <p:cNvSpPr>
+            <a:spLocks noGrp="1"/>
+          </p:cNvSpPr>
+          <p:nvPr>
+            <p:ph type="sldNum" sz="quarter" idx="10"/>
+          </p:nvPr>
+        </p:nvSpPr>
+        <p:spPr/>
+        <p:txBody>
+          <a:bodyPr/>
+          <a:lstStyle/>
+          <a:p>
+            <a:fld id="{58F45290-0B7A-E34A-A3AC-EB5A8E6CA9CC}" type="slidenum">
+              <a:rPr lang="en-US" smtClean="0"/>
+              <a:pPr/>
+              <a:t>5</a:t>
+            </a:fld>
+            <a:endParaRPr lang="en-US"/>
+          </a:p>
+        </p:txBody>
+      </p:sp>
+    </p:spTree>
+    <p:extLst>
+      <p:ext uri="{BB962C8B-B14F-4D97-AF65-F5344CB8AC3E}">
+        <p14:creationId xmlns:p14="http://schemas.microsoft.com/office/powerpoint/2010/main" xmlns="" val="3769651890"/>
+      </p:ext>
+    </p:extLst>
+  </p:cSld>
+  <p:clrMapOvr>
+    <a:masterClrMapping/>
+  </p:clrMapOvr>
+</p:notes>
+</file>
+
+<file path=ppt/notesSlides/notesSlide4.xml><?xml version="1.0" encoding="utf-8"?>
+<p:notes xmlns:a="http://schemas.openxmlformats.org/drawingml/2006/main" xmlns:r="http://schemas.openxmlformats.org/officeDocument/2006/relationships" xmlns:p="http://schemas.openxmlformats.org/presentationml/2006/main">
+  <p:cSld>
+    <p:spTree>
+      <p:nvGrpSpPr>
+        <p:cNvPr id="1" name=""/>
+        <p:cNvGrpSpPr/>
+        <p:nvPr/>
+      </p:nvGrpSpPr>
+      <p:grpSpPr>
+        <a:xfrm>
+          <a:off x="0" y="0"/>
+          <a:ext cx="0" cy="0"/>
+          <a:chOff x="0" y="0"/>
+          <a:chExt cx="0" cy="0"/>
+        </a:xfrm>
+      </p:grpSpPr>
+      <p:sp>
+        <p:nvSpPr>
+          <p:cNvPr id="2" name="Slide Image Placeholder 1"/>
+          <p:cNvSpPr>
+            <a:spLocks noGrp="1" noRot="1" noChangeAspect="1"/>
+          </p:cNvSpPr>
+          <p:nvPr>
+            <p:ph type="sldImg"/>
+          </p:nvPr>
+        </p:nvSpPr>
+        <p:spPr/>
+      </p:sp>
+      <p:sp>
+        <p:nvSpPr>
+          <p:cNvPr id="3" name="Notes Placeholder 2"/>
+          <p:cNvSpPr>
+            <a:spLocks noGrp="1"/>
+          </p:cNvSpPr>
+          <p:nvPr>
+            <p:ph type="body" idx="1"/>
+          </p:nvPr>
+        </p:nvSpPr>
+        <p:spPr/>
+        <p:txBody>
+          <a:bodyPr/>
+          <a:lstStyle/>
+          <a:p>
+            <a:pPr marL="0" marR="0" lvl="1" indent="0" algn="l" defTabSz="457200" rtl="0" eaLnBrk="1" fontAlgn="auto" latinLnBrk="0" hangingPunct="1">
+              <a:lnSpc>
+                <a:spcPct val="100000"/>
+              </a:lnSpc>
+              <a:spcBef>
+                <a:spcPts val="0"/>
+              </a:spcBef>
+              <a:spcAft>
+                <a:spcPts val="0"/>
+              </a:spcAft>
+              <a:buClrTx/>
+              <a:buSzTx/>
+              <a:buFontTx/>
+              <a:buNone/>
+              <a:tabLst/>
+              <a:defRPr/>
+            </a:pPr>
+            <a:r>
+              <a:rPr lang="en-US" dirty="0" err="1" smtClean="0"/>
+              <a:t>Cp</a:t>
+            </a:r>
+            <a:r>
+              <a:rPr lang="en-US" dirty="0" smtClean="0"/>
+              <a:t> Breaks down at higher flap angles, as expected</a:t>
+            </a:r>
+          </a:p>
+          <a:p>
+            <a:pPr marL="0" marR="0" lvl="1" indent="0" algn="l" defTabSz="457200" rtl="0" eaLnBrk="1" fontAlgn="auto" latinLnBrk="0" hangingPunct="1">
+              <a:lnSpc>
+                <a:spcPct val="100000"/>
+              </a:lnSpc>
+              <a:spcBef>
+                <a:spcPts val="0"/>
+              </a:spcBef>
+              <a:spcAft>
+                <a:spcPts val="0"/>
+              </a:spcAft>
+              <a:buClrTx/>
+              <a:buSzTx/>
+              <a:buFontTx/>
+              <a:buNone/>
+              <a:tabLst/>
+              <a:defRPr/>
+            </a:pPr>
+            <a:r>
+              <a:rPr lang="en-US" dirty="0" smtClean="0"/>
+              <a:t>Action required to both slide and rotate the flap proved “choppy” and imprecise – scrapped instead to focus on flap angle.</a:t>
+            </a:r>
+          </a:p>
+          <a:p>
+            <a:pPr marL="0" marR="0" lvl="1" indent="0" algn="l" defTabSz="457200" rtl="0" eaLnBrk="1" fontAlgn="auto" latinLnBrk="0" hangingPunct="1">
+              <a:lnSpc>
+                <a:spcPct val="100000"/>
+              </a:lnSpc>
+              <a:spcBef>
+                <a:spcPts val="0"/>
+              </a:spcBef>
+              <a:spcAft>
+                <a:spcPts val="0"/>
+              </a:spcAft>
+              <a:buClrTx/>
+              <a:buSzTx/>
+              <a:buFontTx/>
+              <a:buNone/>
+              <a:tabLst/>
+              <a:defRPr/>
+            </a:pPr>
+            <a:r>
+              <a:rPr lang="en-US" dirty="0" smtClean="0"/>
+              <a:t>Animation: Could improve by increasing steps and decreasing the change in flap angle.</a:t>
+            </a:r>
+          </a:p>
+          <a:p>
+            <a:pPr lvl="1"/>
+            <a:r>
+              <a:rPr lang="en-US" dirty="0" smtClean="0"/>
+              <a:t>Issues mainly with the time to render all of the steps.</a:t>
+            </a:r>
+          </a:p>
+          <a:p>
+            <a:pPr marL="0" marR="0" lvl="1" indent="0" algn="l" defTabSz="457200" rtl="0" eaLnBrk="1" fontAlgn="auto" latinLnBrk="0" hangingPunct="1">
+              <a:lnSpc>
+                <a:spcPct val="100000"/>
+              </a:lnSpc>
+              <a:spcBef>
+                <a:spcPts val="0"/>
+              </a:spcBef>
+              <a:spcAft>
+                <a:spcPts val="0"/>
+              </a:spcAft>
+              <a:buClrTx/>
+              <a:buSzTx/>
+              <a:buFontTx/>
+              <a:buNone/>
+              <a:tabLst/>
+              <a:defRPr/>
+            </a:pPr>
+            <a:endParaRPr lang="en-US" dirty="0" smtClean="0"/>
+          </a:p>
+          <a:p>
+            <a:endParaRPr lang="en-US" dirty="0"/>
+          </a:p>
+        </p:txBody>
+      </p:sp>
+      <p:sp>
+        <p:nvSpPr>
+          <p:cNvPr id="4" name="Slide Number Placeholder 3"/>
+          <p:cNvSpPr>
+            <a:spLocks noGrp="1"/>
+          </p:cNvSpPr>
+          <p:nvPr>
+            <p:ph type="sldNum" sz="quarter" idx="10"/>
+          </p:nvPr>
+        </p:nvSpPr>
+        <p:spPr/>
+        <p:txBody>
+          <a:bodyPr/>
+          <a:lstStyle/>
+          <a:p>
+            <a:fld id="{58F45290-0B7A-E34A-A3AC-EB5A8E6CA9CC}" type="slidenum">
+              <a:rPr lang="en-US" smtClean="0"/>
+              <a:pPr/>
+              <a:t>6</a:t>
+            </a:fld>
+            <a:endParaRPr lang="en-US"/>
+          </a:p>
+        </p:txBody>
+      </p:sp>
+    </p:spTree>
+    <p:extLst>
+      <p:ext uri="{BB962C8B-B14F-4D97-AF65-F5344CB8AC3E}">
+        <p14:creationId xmlns:p14="http://schemas.microsoft.com/office/powerpoint/2010/main" xmlns="" val="3769651890"/>
+      </p:ext>
+    </p:extLst>
+  </p:cSld>
+  <p:clrMapOvr>
+    <a:masterClrMapping/>
+  </p:clrMapOvr>
+</p:notes>
+</file>
+
+<file path=ppt/notesSlides/notesSlide5.xml><?xml version="1.0" encoding="utf-8"?>
+<p:notes xmlns:a="http://schemas.openxmlformats.org/drawingml/2006/main" xmlns:r="http://schemas.openxmlformats.org/officeDocument/2006/relationships" xmlns:p="http://schemas.openxmlformats.org/presentationml/2006/main">
+  <p:cSld>
+    <p:spTree>
+      <p:nvGrpSpPr>
+        <p:cNvPr id="1" name=""/>
+        <p:cNvGrpSpPr/>
+        <p:nvPr/>
+      </p:nvGrpSpPr>
+      <p:grpSpPr>
+        <a:xfrm>
+          <a:off x="0" y="0"/>
+          <a:ext cx="0" cy="0"/>
+          <a:chOff x="0" y="0"/>
+          <a:chExt cx="0" cy="0"/>
+        </a:xfrm>
+      </p:grpSpPr>
+      <p:sp>
+        <p:nvSpPr>
+          <p:cNvPr id="2" name="Slide Image Placeholder 1"/>
+          <p:cNvSpPr>
+            <a:spLocks noGrp="1" noRot="1" noChangeAspect="1"/>
+          </p:cNvSpPr>
+          <p:nvPr>
+            <p:ph type="sldImg"/>
+          </p:nvPr>
+        </p:nvSpPr>
+        <p:spPr/>
+      </p:sp>
+      <p:sp>
+        <p:nvSpPr>
+          <p:cNvPr id="3" name="Notes Placeholder 2"/>
+          <p:cNvSpPr>
+            <a:spLocks noGrp="1"/>
+          </p:cNvSpPr>
+          <p:nvPr>
+            <p:ph type="body" idx="1"/>
+          </p:nvPr>
+        </p:nvSpPr>
+        <p:spPr/>
+        <p:txBody>
+          <a:bodyPr/>
+          <a:lstStyle/>
+          <a:p>
+            <a:pPr lvl="1"/>
+            <a:r>
+              <a:rPr lang="en-US" dirty="0" smtClean="0"/>
+              <a:t>Code looks clean, but doesn’t operate quickly.</a:t>
+            </a:r>
+          </a:p>
+          <a:p>
+            <a:pPr lvl="1"/>
+            <a:r>
+              <a:rPr lang="en-US" dirty="0" smtClean="0"/>
+              <a:t>Could be a great spot for GPU processing and/or parallel computing with </a:t>
+            </a:r>
+            <a:r>
+              <a:rPr lang="en-US" dirty="0" err="1" smtClean="0"/>
+              <a:t>PyCUDA</a:t>
+            </a:r>
+            <a:r>
+              <a:rPr lang="en-US" dirty="0" smtClean="0"/>
+              <a:t> or </a:t>
+            </a:r>
+            <a:r>
+              <a:rPr lang="en-US" dirty="0" err="1" smtClean="0"/>
+              <a:t>Numba</a:t>
+            </a:r>
+            <a:r>
+              <a:rPr lang="en-US" dirty="0" smtClean="0"/>
+              <a:t> due to the similarity of each calculation set.</a:t>
+            </a:r>
+          </a:p>
+          <a:p>
+            <a:endParaRPr lang="en-US" dirty="0"/>
+          </a:p>
+        </p:txBody>
+      </p:sp>
+      <p:sp>
+        <p:nvSpPr>
+          <p:cNvPr id="4" name="Slide Number Placeholder 3"/>
+          <p:cNvSpPr>
+            <a:spLocks noGrp="1"/>
+          </p:cNvSpPr>
+          <p:nvPr>
+            <p:ph type="sldNum" sz="quarter" idx="10"/>
+          </p:nvPr>
+        </p:nvSpPr>
+        <p:spPr/>
+        <p:txBody>
+          <a:bodyPr/>
+          <a:lstStyle/>
+          <a:p>
+            <a:fld id="{58F45290-0B7A-E34A-A3AC-EB5A8E6CA9CC}" type="slidenum">
+              <a:rPr lang="en-US" smtClean="0"/>
+              <a:pPr/>
+              <a:t>7</a:t>
+            </a:fld>
+            <a:endParaRPr lang="en-US"/>
+          </a:p>
+        </p:txBody>
+      </p:sp>
+    </p:spTree>
+    <p:extLst>
+      <p:ext uri="{BB962C8B-B14F-4D97-AF65-F5344CB8AC3E}">
+        <p14:creationId xmlns:p14="http://schemas.microsoft.com/office/powerpoint/2010/main" xmlns="" val="1822697102"/>
+      </p:ext>
+    </p:extLst>
+  </p:cSld>
+  <p:clrMapOvr>
+    <a:masterClrMapping/>
+  </p:clrMapOvr>
+</p:notes>
+</file>
+
 <file path=ppt/slideLayouts/slideLayout1.xml><?xml version="1.0" encoding="utf-8"?>
 <p:sldLayout xmlns:a="http://schemas.openxmlformats.org/drawingml/2006/main" xmlns:r="http://schemas.openxmlformats.org/officeDocument/2006/relationships" xmlns:p="http://schemas.openxmlformats.org/presentationml/2006/main" showMasterSp="0" type="title" preserve="1">
   <p:cSld name="Title Slide">
@@ -255,7 +1354,8 @@
           <a:p>
             <a:fld id="{62B6826B-6B57-4BF6-A5C0-7A805144A73E}" type="datetimeFigureOut">
               <a:rPr lang="en-US" smtClean="0"/>
-              <a:t>5/5/2015</a:t>
+              <a:pPr/>
+              <a:t>5/7/2015</a:t>
             </a:fld>
             <a:endParaRPr lang="en-US"/>
           </a:p>
@@ -307,6 +1407,7 @@
           <a:p>
             <a:fld id="{E99DD8F3-8C61-43B2-9AD4-4F303959B84A}" type="slidenum">
               <a:rPr lang="en-US" smtClean="0"/>
+              <a:pPr/>
               <a:t>‹#›</a:t>
             </a:fld>
             <a:endParaRPr lang="en-US"/>
@@ -614,7 +1715,8 @@
           <a:p>
             <a:fld id="{62B6826B-6B57-4BF6-A5C0-7A805144A73E}" type="datetimeFigureOut">
               <a:rPr lang="en-US" smtClean="0"/>
-              <a:t>5/5/2015</a:t>
+              <a:pPr/>
+              <a:t>5/7/2015</a:t>
             </a:fld>
             <a:endParaRPr lang="en-US"/>
           </a:p>
@@ -656,6 +1758,7 @@
           <a:p>
             <a:fld id="{E99DD8F3-8C61-43B2-9AD4-4F303959B84A}" type="slidenum">
               <a:rPr lang="en-US" smtClean="0"/>
+              <a:pPr/>
               <a:t>‹#›</a:t>
             </a:fld>
             <a:endParaRPr lang="en-US"/>
@@ -789,7 +1892,8 @@
           <a:p>
             <a:fld id="{62B6826B-6B57-4BF6-A5C0-7A805144A73E}" type="datetimeFigureOut">
               <a:rPr lang="en-US" smtClean="0"/>
-              <a:t>5/5/2015</a:t>
+              <a:pPr/>
+              <a:t>5/7/2015</a:t>
             </a:fld>
             <a:endParaRPr lang="en-US"/>
           </a:p>
@@ -831,6 +1935,7 @@
           <a:p>
             <a:fld id="{E99DD8F3-8C61-43B2-9AD4-4F303959B84A}" type="slidenum">
               <a:rPr lang="en-US" smtClean="0"/>
+              <a:pPr/>
               <a:t>‹#›</a:t>
             </a:fld>
             <a:endParaRPr lang="en-US"/>
@@ -1024,7 +2129,8 @@
           <a:p>
             <a:fld id="{62B6826B-6B57-4BF6-A5C0-7A805144A73E}" type="datetimeFigureOut">
               <a:rPr lang="en-US" smtClean="0"/>
-              <a:t>5/5/2015</a:t>
+              <a:pPr/>
+              <a:t>5/7/2015</a:t>
             </a:fld>
             <a:endParaRPr lang="en-US"/>
           </a:p>
@@ -1066,6 +2172,7 @@
           <a:p>
             <a:fld id="{E99DD8F3-8C61-43B2-9AD4-4F303959B84A}" type="slidenum">
               <a:rPr lang="en-US" smtClean="0"/>
+              <a:pPr/>
               <a:t>‹#›</a:t>
             </a:fld>
             <a:endParaRPr lang="en-US"/>
@@ -1293,7 +2400,8 @@
           <a:p>
             <a:fld id="{62B6826B-6B57-4BF6-A5C0-7A805144A73E}" type="datetimeFigureOut">
               <a:rPr lang="en-US" smtClean="0"/>
-              <a:t>5/5/2015</a:t>
+              <a:pPr/>
+              <a:t>5/7/2015</a:t>
             </a:fld>
             <a:endParaRPr lang="en-US"/>
           </a:p>
@@ -1345,6 +2453,7 @@
           <a:p>
             <a:fld id="{E99DD8F3-8C61-43B2-9AD4-4F303959B84A}" type="slidenum">
               <a:rPr lang="en-US" smtClean="0"/>
+              <a:pPr/>
               <a:t>‹#›</a:t>
             </a:fld>
             <a:endParaRPr lang="en-US"/>
@@ -1513,7 +2622,8 @@
           <a:p>
             <a:fld id="{62B6826B-6B57-4BF6-A5C0-7A805144A73E}" type="datetimeFigureOut">
               <a:rPr lang="en-US" smtClean="0"/>
-              <a:t>5/5/2015</a:t>
+              <a:pPr/>
+              <a:t>5/7/2015</a:t>
             </a:fld>
             <a:endParaRPr lang="en-US"/>
           </a:p>
@@ -1555,6 +2665,7 @@
           <a:p>
             <a:fld id="{E99DD8F3-8C61-43B2-9AD4-4F303959B84A}" type="slidenum">
               <a:rPr lang="en-US" smtClean="0"/>
+              <a:pPr/>
               <a:t>‹#›</a:t>
             </a:fld>
             <a:endParaRPr lang="en-US"/>
@@ -1865,7 +2976,8 @@
           <a:p>
             <a:fld id="{62B6826B-6B57-4BF6-A5C0-7A805144A73E}" type="datetimeFigureOut">
               <a:rPr lang="en-US" smtClean="0"/>
-              <a:t>5/5/2015</a:t>
+              <a:pPr/>
+              <a:t>5/7/2015</a:t>
             </a:fld>
             <a:endParaRPr lang="en-US"/>
           </a:p>
@@ -1907,6 +3019,7 @@
           <a:p>
             <a:fld id="{E99DD8F3-8C61-43B2-9AD4-4F303959B84A}" type="slidenum">
               <a:rPr lang="en-US" smtClean="0"/>
+              <a:pPr/>
               <a:t>‹#›</a:t>
             </a:fld>
             <a:endParaRPr lang="en-US"/>
@@ -2097,7 +3210,8 @@
           <a:p>
             <a:fld id="{62B6826B-6B57-4BF6-A5C0-7A805144A73E}" type="datetimeFigureOut">
               <a:rPr lang="en-US" smtClean="0"/>
-              <a:t>5/5/2015</a:t>
+              <a:pPr/>
+              <a:t>5/7/2015</a:t>
             </a:fld>
             <a:endParaRPr lang="en-US"/>
           </a:p>
@@ -2139,6 +3253,7 @@
           <a:p>
             <a:fld id="{E99DD8F3-8C61-43B2-9AD4-4F303959B84A}" type="slidenum">
               <a:rPr lang="en-US" smtClean="0"/>
+              <a:pPr/>
               <a:t>‹#›</a:t>
             </a:fld>
             <a:endParaRPr lang="en-US"/>
@@ -2237,7 +3352,8 @@
           <a:p>
             <a:fld id="{62B6826B-6B57-4BF6-A5C0-7A805144A73E}" type="datetimeFigureOut">
               <a:rPr lang="en-US" smtClean="0"/>
-              <a:t>5/5/2015</a:t>
+              <a:pPr/>
+              <a:t>5/7/2015</a:t>
             </a:fld>
             <a:endParaRPr lang="en-US"/>
           </a:p>
@@ -2279,6 +3395,7 @@
           <a:p>
             <a:fld id="{E99DD8F3-8C61-43B2-9AD4-4F303959B84A}" type="slidenum">
               <a:rPr lang="en-US" smtClean="0"/>
+              <a:pPr/>
               <a:t>‹#›</a:t>
             </a:fld>
             <a:endParaRPr lang="en-US"/>
@@ -2514,7 +3631,8 @@
           <a:p>
             <a:fld id="{62B6826B-6B57-4BF6-A5C0-7A805144A73E}" type="datetimeFigureOut">
               <a:rPr lang="en-US" smtClean="0"/>
-              <a:t>5/5/2015</a:t>
+              <a:pPr/>
+              <a:t>5/7/2015</a:t>
             </a:fld>
             <a:endParaRPr lang="en-US"/>
           </a:p>
@@ -2556,6 +3674,7 @@
           <a:p>
             <a:fld id="{E99DD8F3-8C61-43B2-9AD4-4F303959B84A}" type="slidenum">
               <a:rPr lang="en-US" smtClean="0"/>
+              <a:pPr/>
               <a:t>‹#›</a:t>
             </a:fld>
             <a:endParaRPr lang="en-US"/>
@@ -2921,7 +4040,8 @@
           <a:p>
             <a:fld id="{62B6826B-6B57-4BF6-A5C0-7A805144A73E}" type="datetimeFigureOut">
               <a:rPr lang="en-US" smtClean="0"/>
-              <a:t>5/5/2015</a:t>
+              <a:pPr/>
+              <a:t>5/7/2015</a:t>
             </a:fld>
             <a:endParaRPr lang="en-US"/>
           </a:p>
@@ -2963,6 +4083,7 @@
           <a:p>
             <a:fld id="{E99DD8F3-8C61-43B2-9AD4-4F303959B84A}" type="slidenum">
               <a:rPr lang="en-US" smtClean="0"/>
+              <a:pPr/>
               <a:t>‹#›</a:t>
             </a:fld>
             <a:endParaRPr lang="en-US"/>
@@ -3259,7 +4380,8 @@
           <a:p>
             <a:fld id="{62B6826B-6B57-4BF6-A5C0-7A805144A73E}" type="datetimeFigureOut">
               <a:rPr lang="en-US" smtClean="0"/>
-              <a:t>5/5/2015</a:t>
+              <a:pPr/>
+              <a:t>5/7/2015</a:t>
             </a:fld>
             <a:endParaRPr lang="en-US"/>
           </a:p>
@@ -3333,6 +4455,7 @@
           <a:p>
             <a:fld id="{E99DD8F3-8C61-43B2-9AD4-4F303959B84A}" type="slidenum">
               <a:rPr lang="en-US" smtClean="0"/>
+              <a:pPr/>
               <a:t>‹#›</a:t>
             </a:fld>
             <a:endParaRPr lang="en-US"/>
@@ -3896,9 +5019,14 @@
             <p:ph sz="quarter" idx="1"/>
           </p:nvPr>
         </p:nvSpPr>
-        <p:spPr/>
-        <p:txBody>
-          <a:bodyPr/>
+        <p:spPr>
+          <a:xfrm>
+            <a:off x="457200" y="1219200"/>
+            <a:ext cx="8229600" cy="1600200"/>
+          </a:xfrm>
+        </p:spPr>
+        <p:txBody>
+          <a:bodyPr anchor="t"/>
           <a:lstStyle/>
           <a:p>
             <a:r>
@@ -3907,20 +5035,6 @@
             </a:r>
           </a:p>
           <a:p>
-            <a:pPr lvl="1"/>
-            <a:r>
-              <a:rPr lang="en-US" dirty="0" smtClean="0"/>
-              <a:t>One orientation among many created at the time</a:t>
-            </a:r>
-          </a:p>
-          <a:p>
-            <a:pPr lvl="1"/>
-            <a:r>
-              <a:rPr lang="en-US" dirty="0" smtClean="0"/>
-              <a:t>Primary objective: devise a method to add variable lift control</a:t>
-            </a:r>
-          </a:p>
-          <a:p>
             <a:r>
               <a:rPr lang="en-US" dirty="0" smtClean="0"/>
               <a:t>Tested in 1927 by Fowler &amp; </a:t>
@@ -3937,40 +5051,74 @@
               <a:t>Approved by NACA several years later</a:t>
             </a:r>
           </a:p>
+        </p:txBody>
+      </p:sp>
+      <p:pic>
+        <p:nvPicPr>
+          <p:cNvPr id="2050" name="Picture 2" descr="C:\Users\Cameron\Downloads\Flaps.jpg"/>
+          <p:cNvPicPr>
+            <a:picLocks noChangeAspect="1" noChangeArrowheads="1"/>
+          </p:cNvPicPr>
+          <p:nvPr/>
+        </p:nvPicPr>
+        <p:blipFill>
+          <a:blip r:embed="rId3" cstate="print"/>
+          <a:srcRect/>
+          <a:stretch>
+            <a:fillRect/>
+          </a:stretch>
+        </p:blipFill>
+        <p:spPr bwMode="auto">
+          <a:xfrm>
+            <a:off x="3886200" y="2945844"/>
+            <a:ext cx="4953000" cy="3296841"/>
+          </a:xfrm>
+          <a:prstGeom prst="rect">
+            <a:avLst/>
+          </a:prstGeom>
+          <a:noFill/>
+        </p:spPr>
+      </p:pic>
+      <p:sp>
+        <p:nvSpPr>
+          <p:cNvPr id="5" name="TextBox 4"/>
+          <p:cNvSpPr txBox="1"/>
+          <p:nvPr/>
+        </p:nvSpPr>
+        <p:spPr>
+          <a:xfrm>
+            <a:off x="533400" y="4267200"/>
+            <a:ext cx="3200400" cy="1292662"/>
+          </a:xfrm>
+          <a:prstGeom prst="rect">
+            <a:avLst/>
+          </a:prstGeom>
+          <a:noFill/>
+        </p:spPr>
+        <p:txBody>
+          <a:bodyPr wrap="square" rtlCol="0">
+            <a:spAutoFit/>
+          </a:bodyPr>
+          <a:lstStyle/>
           <a:p>
             <a:r>
               <a:rPr lang="en-US" dirty="0" smtClean="0"/>
-              <a:t>Still in use today:</a:t>
-            </a:r>
-          </a:p>
-          <a:p>
-            <a:pPr lvl="1"/>
-            <a:r>
-              <a:rPr lang="en-US" dirty="0" smtClean="0"/>
-              <a:t>Boeing 707, 737, 747</a:t>
-            </a:r>
-          </a:p>
-          <a:p>
-            <a:pPr lvl="1"/>
-            <a:r>
-              <a:rPr lang="en-US" dirty="0" smtClean="0"/>
-              <a:t>Lockheed Martin C-130</a:t>
-            </a:r>
-          </a:p>
-          <a:p>
-            <a:pPr lvl="1"/>
-            <a:r>
-              <a:rPr lang="en-US" dirty="0" smtClean="0"/>
-              <a:t>Northrop-Grumman E-2C</a:t>
-            </a:r>
-          </a:p>
-          <a:p>
-            <a:pPr lvl="1"/>
-            <a:r>
-              <a:rPr lang="en-US" dirty="0" smtClean="0"/>
-              <a:t>Etc.</a:t>
-            </a:r>
+              <a:t>Figure 1: Extended Fowler Flap</a:t>
+            </a:r>
+          </a:p>
+          <a:p>
             <a:endParaRPr lang="en-US" dirty="0" smtClean="0"/>
+          </a:p>
+          <a:p>
+            <a:r>
+              <a:rPr lang="en-US" sz="1400" dirty="0" smtClean="0"/>
+              <a:t>http</a:t>
+            </a:r>
+            <a:r>
+              <a:rPr lang="en-US" sz="1400" dirty="0" smtClean="0"/>
+              <a:t>://www.decodedscience.com/wing-flaps-for-lift-augmentation-in-aircraft/11831/2</a:t>
+            </a:r>
+            <a:endParaRPr lang="en-US" sz="1400" dirty="0"/>
           </a:p>
         </p:txBody>
       </p:sp>
@@ -4034,19 +5182,35 @@
         </p:nvSpPr>
         <p:spPr>
           <a:xfrm>
-            <a:off x="457200" y="5715000"/>
-            <a:ext cx="8229600" cy="441960"/>
+            <a:off x="457200" y="5257800"/>
+            <a:ext cx="8229600" cy="899160"/>
           </a:xfrm>
         </p:spPr>
         <p:txBody>
           <a:bodyPr>
-            <a:normAutofit fontScale="55000" lnSpcReduction="20000"/>
+            <a:normAutofit fontScale="40000" lnSpcReduction="20000"/>
           </a:bodyPr>
           <a:lstStyle/>
           <a:p>
+            <a:pPr algn="ctr">
+              <a:buNone/>
+            </a:pPr>
+            <a:r>
+              <a:rPr lang="en-US" sz="4500" dirty="0" smtClean="0"/>
+              <a:t>Figure 2: Fowler Flap Geometry</a:t>
+            </a:r>
+          </a:p>
+          <a:p>
+            <a:endParaRPr lang="en-US" dirty="0" smtClean="0"/>
+          </a:p>
+          <a:p>
             <a:r>
               <a:rPr lang="en-US" dirty="0" smtClean="0"/>
-              <a:t>Paulson, John W. Jr., *"Wind-Tunnel Investigation of a Fowler Flap and Spoiler for an Advanced General Aviation Wing,"* Langley Research Center, Hampton, VA 23665. June 1976. NASA TN D-8236.</a:t>
+              <a:t>Paulson</a:t>
+            </a:r>
+            <a:r>
+              <a:rPr lang="en-US" dirty="0" smtClean="0"/>
+              <a:t>, John W. Jr., *"Wind-Tunnel Investigation of a Fowler Flap and Spoiler for an Advanced General Aviation Wing,"* Langley Research Center, Hampton, VA 23665. June 1976. NASA TN D-8236.</a:t>
             </a:r>
             <a:endParaRPr lang="en-US" dirty="0"/>
           </a:p>
@@ -4069,8 +5233,8 @@
         </p:blipFill>
         <p:spPr bwMode="auto">
           <a:xfrm>
-            <a:off x="457200" y="1143000"/>
-            <a:ext cx="8229600" cy="4370417"/>
+            <a:off x="457200" y="1143001"/>
+            <a:ext cx="8229600" cy="4038600"/>
           </a:xfrm>
           <a:prstGeom prst="rect">
             <a:avLst/>
@@ -4138,77 +5302,29 @@
         </p:nvSpPr>
         <p:spPr/>
         <p:txBody>
-          <a:bodyPr/>
+          <a:bodyPr anchor="ctr"/>
           <a:lstStyle/>
           <a:p>
             <a:r>
               <a:rPr lang="en-US" dirty="0" smtClean="0"/>
-              <a:t>The following functions were altered to accept two foils:</a:t>
-            </a:r>
-          </a:p>
-          <a:p>
-            <a:pPr lvl="1"/>
-            <a:r>
-              <a:rPr lang="en-US" dirty="0" err="1" smtClean="0"/>
-              <a:t>b</a:t>
-            </a:r>
-            <a:r>
-              <a:rPr lang="en-US" dirty="0" err="1" smtClean="0"/>
-              <a:t>uild_rhs</a:t>
+              <a:t>Several functions </a:t>
             </a:r>
             <a:r>
               <a:rPr lang="en-US" dirty="0" smtClean="0"/>
-              <a:t>( ); additional index for our second </a:t>
-            </a:r>
-            <a:r>
-              <a:rPr lang="en-US" dirty="0" err="1" smtClean="0"/>
-              <a:t>Kutta</a:t>
+              <a:t>were altered to accept two </a:t>
             </a:r>
             <a:r>
               <a:rPr lang="en-US" dirty="0" smtClean="0"/>
-              <a:t> Condition</a:t>
-            </a:r>
-          </a:p>
-          <a:p>
-            <a:pPr lvl="1"/>
-            <a:r>
-              <a:rPr lang="en-US" dirty="0" err="1" smtClean="0"/>
-              <a:t>build_matrix</a:t>
-            </a:r>
+              <a:t>foils</a:t>
+            </a:r>
+            <a:endParaRPr lang="en-US" dirty="0" smtClean="0"/>
+          </a:p>
+          <a:p>
             <a:r>
               <a:rPr lang="en-US" dirty="0" smtClean="0"/>
-              <a:t>( ); reformatted to complete all the math without the use of as many functions.</a:t>
-            </a:r>
-          </a:p>
-          <a:p>
-            <a:pPr lvl="1"/>
-            <a:r>
-              <a:rPr lang="en-US" dirty="0" err="1" smtClean="0"/>
-              <a:t>get_tangential_velocity</a:t>
-            </a:r>
-            <a:r>
-              <a:rPr lang="en-US" dirty="0" smtClean="0"/>
-              <a:t>( ); additional argument for </a:t>
-            </a:r>
-            <a:r>
-              <a:rPr lang="en-US" dirty="0" err="1" smtClean="0"/>
-              <a:t>A</a:t>
-            </a:r>
-            <a:r>
-              <a:rPr lang="en-US" baseline="-25000" dirty="0" err="1" smtClean="0"/>
-              <a:t>ij</a:t>
-            </a:r>
-            <a:r>
-              <a:rPr lang="en-US" baseline="30000" dirty="0" err="1" smtClean="0"/>
-              <a:t>t</a:t>
-            </a:r>
-            <a:endParaRPr lang="en-US" baseline="30000" dirty="0" smtClean="0"/>
-          </a:p>
-          <a:p>
-            <a:r>
-              <a:rPr lang="en-US" dirty="0" smtClean="0"/>
-              <a:t>New functions:</a:t>
-            </a:r>
+              <a:t>Two new functions added:</a:t>
+            </a:r>
+            <a:endParaRPr lang="en-US" dirty="0" smtClean="0"/>
           </a:p>
           <a:p>
             <a:pPr lvl="1"/>
@@ -4286,10 +5402,28 @@
         </p:nvSpPr>
         <p:spPr/>
         <p:txBody>
-          <a:bodyPr>
-            <a:normAutofit lnSpcReduction="10000"/>
+          <a:bodyPr anchor="t">
+            <a:normAutofit/>
           </a:bodyPr>
           <a:lstStyle/>
+          <a:p>
+            <a:endParaRPr lang="en-US" dirty="0" smtClean="0"/>
+          </a:p>
+          <a:p>
+            <a:endParaRPr lang="en-US" dirty="0" smtClean="0"/>
+          </a:p>
+          <a:p>
+            <a:endParaRPr lang="en-US" dirty="0" smtClean="0"/>
+          </a:p>
+          <a:p>
+            <a:endParaRPr lang="en-US" dirty="0" smtClean="0"/>
+          </a:p>
+          <a:p>
+            <a:endParaRPr lang="en-US" dirty="0" smtClean="0"/>
+          </a:p>
+          <a:p>
+            <a:endParaRPr lang="en-US" dirty="0" smtClean="0"/>
+          </a:p>
           <a:p>
             <a:r>
               <a:rPr lang="en-US" dirty="0" smtClean="0"/>
@@ -4301,59 +5435,95 @@
             </a:r>
             <a:r>
               <a:rPr lang="en-US" dirty="0" smtClean="0"/>
-              <a:t> appears within reason for the first several steps</a:t>
-            </a:r>
-          </a:p>
-          <a:p>
-            <a:pPr lvl="1"/>
+              <a:t> </a:t>
+            </a:r>
             <a:r>
               <a:rPr lang="en-US" dirty="0" smtClean="0"/>
-              <a:t>Breaks down at higher flap angles, as expected</a:t>
+              <a:t>appears within reason for the first several steps</a:t>
             </a:r>
           </a:p>
           <a:p>
             <a:r>
               <a:rPr lang="en-US" dirty="0" smtClean="0"/>
-              <a:t>Lift and Accuracy calculations are reasonable compared to previous notebooks &amp; </a:t>
-            </a:r>
-            <a:r>
-              <a:rPr lang="en-US" dirty="0" err="1" smtClean="0"/>
-              <a:t>OpenEdX</a:t>
-            </a:r>
+              <a:t>Lift and Accuracy calculations are reasonable </a:t>
+            </a:r>
+          </a:p>
+          <a:p>
             <a:r>
               <a:rPr lang="en-US" dirty="0" smtClean="0"/>
-              <a:t> assignment 3</a:t>
-            </a:r>
-          </a:p>
-          <a:p>
+              <a:t>Animation functions </a:t>
+            </a:r>
             <a:r>
               <a:rPr lang="en-US" dirty="0" smtClean="0"/>
-              <a:t>Action required to both slide and rotate the flap proved “choppy” and imprecise – scrapped instead to focus on flap angle.</a:t>
-            </a:r>
-          </a:p>
-          <a:p>
+              <a:t>were slow, </a:t>
+            </a:r>
             <a:r>
               <a:rPr lang="en-US" dirty="0" smtClean="0"/>
-              <a:t>Animation functions took time, but the resulting video is very clean</a:t>
-            </a:r>
-          </a:p>
-          <a:p>
-            <a:pPr lvl="1"/>
+              <a:t>but the </a:t>
+            </a:r>
             <a:r>
               <a:rPr lang="en-US" dirty="0" smtClean="0"/>
-              <a:t>Could improve by increasing steps and decreasing the change in flap angle.</a:t>
-            </a:r>
-          </a:p>
-          <a:p>
-            <a:pPr lvl="1"/>
+              <a:t>video is </a:t>
+            </a:r>
             <a:r>
               <a:rPr lang="en-US" dirty="0" smtClean="0"/>
-              <a:t>Issues mainly with the time to render all of the steps.</a:t>
-            </a:r>
-            <a:endParaRPr lang="en-US" dirty="0"/>
-          </a:p>
-        </p:txBody>
-      </p:sp>
+              <a:t>clean</a:t>
+            </a:r>
+          </a:p>
+        </p:txBody>
+      </p:sp>
+      <p:pic>
+        <p:nvPicPr>
+          <p:cNvPr id="3075" name="Picture 3" descr="C:\Users\Cameron\Documents\IPython\AeroHydroWork\Project\CPmain.png"/>
+          <p:cNvPicPr>
+            <a:picLocks noChangeAspect="1" noChangeArrowheads="1"/>
+          </p:cNvPicPr>
+          <p:nvPr/>
+        </p:nvPicPr>
+        <p:blipFill>
+          <a:blip r:embed="rId3" cstate="print"/>
+          <a:srcRect/>
+          <a:stretch>
+            <a:fillRect/>
+          </a:stretch>
+        </p:blipFill>
+        <p:spPr bwMode="auto">
+          <a:xfrm>
+            <a:off x="4419600" y="1143000"/>
+            <a:ext cx="4768985" cy="2862072"/>
+          </a:xfrm>
+          <a:prstGeom prst="rect">
+            <a:avLst/>
+          </a:prstGeom>
+          <a:noFill/>
+        </p:spPr>
+      </p:pic>
+      <p:pic>
+        <p:nvPicPr>
+          <p:cNvPr id="3074" name="Picture 2" descr="C:\Users\Cameron\Documents\IPython\AeroHydroWork\Project\CPflap.png"/>
+          <p:cNvPicPr>
+            <a:picLocks noChangeAspect="1" noChangeArrowheads="1"/>
+          </p:cNvPicPr>
+          <p:nvPr/>
+        </p:nvPicPr>
+        <p:blipFill>
+          <a:blip r:embed="rId4" cstate="print"/>
+          <a:srcRect/>
+          <a:stretch>
+            <a:fillRect/>
+          </a:stretch>
+        </p:blipFill>
+        <p:spPr bwMode="auto">
+          <a:xfrm>
+            <a:off x="0" y="1143000"/>
+            <a:ext cx="4780415" cy="2865193"/>
+          </a:xfrm>
+          <a:prstGeom prst="rect">
+            <a:avLst/>
+          </a:prstGeom>
+          <a:noFill/>
+        </p:spPr>
+      </p:pic>
     </p:spTree>
   </p:cSld>
   <p:clrMapOvr>
@@ -4396,6 +5566,118 @@
           <a:p>
             <a:r>
               <a:rPr lang="en-US" dirty="0" smtClean="0"/>
+              <a:t>Results</a:t>
+            </a:r>
+            <a:endParaRPr lang="en-US" dirty="0"/>
+          </a:p>
+        </p:txBody>
+      </p:sp>
+      <p:sp>
+        <p:nvSpPr>
+          <p:cNvPr id="3" name="Content Placeholder 2"/>
+          <p:cNvSpPr>
+            <a:spLocks noGrp="1"/>
+          </p:cNvSpPr>
+          <p:nvPr>
+            <p:ph sz="quarter" idx="1"/>
+          </p:nvPr>
+        </p:nvSpPr>
+        <p:spPr/>
+        <p:txBody>
+          <a:bodyPr anchor="t">
+            <a:normAutofit/>
+          </a:bodyPr>
+          <a:lstStyle/>
+          <a:p>
+            <a:r>
+              <a:rPr lang="en-US" dirty="0" smtClean="0"/>
+              <a:t>Streamlines and C</a:t>
+            </a:r>
+            <a:r>
+              <a:rPr lang="en-US" baseline="-25000" dirty="0" smtClean="0"/>
+              <a:t>P</a:t>
+            </a:r>
+            <a:r>
+              <a:rPr lang="en-US" dirty="0" smtClean="0"/>
+              <a:t>:</a:t>
+            </a:r>
+          </a:p>
+          <a:p>
+            <a:pPr>
+              <a:buNone/>
+            </a:pPr>
+            <a:endParaRPr lang="en-US" dirty="0" smtClean="0"/>
+          </a:p>
+        </p:txBody>
+      </p:sp>
+      <p:pic>
+        <p:nvPicPr>
+          <p:cNvPr id="4098" name="Picture 2" descr="C:\Users\Cameron\Documents\IPython\AeroHydroWork\Project\streamlines.png"/>
+          <p:cNvPicPr>
+            <a:picLocks noChangeAspect="1" noChangeArrowheads="1"/>
+          </p:cNvPicPr>
+          <p:nvPr/>
+        </p:nvPicPr>
+        <p:blipFill>
+          <a:blip r:embed="rId3" cstate="print"/>
+          <a:srcRect/>
+          <a:stretch>
+            <a:fillRect/>
+          </a:stretch>
+        </p:blipFill>
+        <p:spPr bwMode="auto">
+          <a:xfrm>
+            <a:off x="463549" y="1828800"/>
+            <a:ext cx="8375651" cy="4579937"/>
+          </a:xfrm>
+          <a:prstGeom prst="rect">
+            <a:avLst/>
+          </a:prstGeom>
+          <a:noFill/>
+        </p:spPr>
+      </p:pic>
+    </p:spTree>
+  </p:cSld>
+  <p:clrMapOvr>
+    <a:masterClrMapping/>
+  </p:clrMapOvr>
+</p:sld>
+</file>
+
+<file path=ppt/slides/slide7.xml><?xml version="1.0" encoding="utf-8"?>
+<p:sld xmlns:a="http://schemas.openxmlformats.org/drawingml/2006/main" xmlns:r="http://schemas.openxmlformats.org/officeDocument/2006/relationships" xmlns:p="http://schemas.openxmlformats.org/presentationml/2006/main">
+  <p:cSld>
+    <p:spTree>
+      <p:nvGrpSpPr>
+        <p:cNvPr id="1" name=""/>
+        <p:cNvGrpSpPr/>
+        <p:nvPr/>
+      </p:nvGrpSpPr>
+      <p:grpSpPr>
+        <a:xfrm>
+          <a:off x="0" y="0"/>
+          <a:ext cx="0" cy="0"/>
+          <a:chOff x="0" y="0"/>
+          <a:chExt cx="0" cy="0"/>
+        </a:xfrm>
+      </p:grpSpPr>
+      <p:sp>
+        <p:nvSpPr>
+          <p:cNvPr id="2" name="Title 1"/>
+          <p:cNvSpPr>
+            <a:spLocks noGrp="1"/>
+          </p:cNvSpPr>
+          <p:nvPr>
+            <p:ph type="title"/>
+          </p:nvPr>
+        </p:nvSpPr>
+        <p:spPr/>
+        <p:txBody>
+          <a:bodyPr/>
+          <a:lstStyle/>
+          <a:p>
+            <a:r>
+              <a:rPr lang="en-US" dirty="0" smtClean="0"/>
               <a:t>Moving Forward</a:t>
             </a:r>
             <a:endParaRPr lang="en-US" dirty="0"/>
@@ -4414,7 +5696,7 @@
         </p:nvSpPr>
         <p:spPr/>
         <p:txBody>
-          <a:bodyPr/>
+          <a:bodyPr anchor="ctr"/>
           <a:lstStyle/>
           <a:p>
             <a:r>
@@ -4441,36 +5723,6 @@
             </a:r>
           </a:p>
           <a:p>
-            <a:pPr lvl="1"/>
-            <a:r>
-              <a:rPr lang="en-US" dirty="0" smtClean="0"/>
-              <a:t>Code looks clean, but doesn’t operate quickly.</a:t>
-            </a:r>
-          </a:p>
-          <a:p>
-            <a:pPr lvl="1"/>
-            <a:r>
-              <a:rPr lang="en-US" dirty="0" smtClean="0"/>
-              <a:t>Could be a great spot for GPU processing and/or parallel computing with </a:t>
-            </a:r>
-            <a:r>
-              <a:rPr lang="en-US" dirty="0" err="1" smtClean="0"/>
-              <a:t>PyCUDA</a:t>
-            </a:r>
-            <a:r>
-              <a:rPr lang="en-US" dirty="0" smtClean="0"/>
-              <a:t> or </a:t>
-            </a:r>
-            <a:r>
-              <a:rPr lang="en-US" dirty="0" err="1" smtClean="0"/>
-              <a:t>Numba</a:t>
-            </a:r>
-            <a:r>
-              <a:rPr lang="en-US" dirty="0" smtClean="0"/>
-              <a:t> due to the similarity of each calculation set.</a:t>
-            </a:r>
-          </a:p>
-          <a:p>
             <a:r>
               <a:rPr lang="en-US" dirty="0" smtClean="0"/>
               <a:t>Animating the intrados/extrados plots based on step</a:t>
@@ -4479,15 +5731,7 @@
           <a:p>
             <a:r>
               <a:rPr lang="en-US" dirty="0" smtClean="0"/>
-              <a:t>Extension could be made to 3-body flow, with considerable changes to the methods for referencing indices. </a:t>
-            </a:r>
-            <a:r>
-              <a:rPr lang="en-US" dirty="0" err="1" smtClean="0"/>
-              <a:t>Tuples</a:t>
-            </a:r>
-            <a:r>
-              <a:rPr lang="en-US" dirty="0" smtClean="0"/>
-              <a:t> might come in handy here.</a:t>
+              <a:t>Extension could be made to 3-body flow</a:t>
             </a:r>
           </a:p>
         </p:txBody>
@@ -4830,4 +6074,324 @@
   <a:objectDefaults/>
   <a:extraClrSchemeLst/>
 </a:theme>
+</file>
+
+<file path=ppt/theme/theme2.xml><?xml version="1.0" encoding="utf-8"?>
+<a:theme xmlns:a="http://schemas.openxmlformats.org/drawingml/2006/main" name="Office Theme">
+  <a:themeElements>
+    <a:clrScheme name="Office">
+      <a:dk1>
+        <a:sysClr val="windowText" lastClr="000000"/>
+      </a:dk1>
+      <a:lt1>
+        <a:sysClr val="window" lastClr="FFFFFF"/>
+      </a:lt1>
+      <a:dk2>
+        <a:srgbClr val="1F497D"/>
+      </a:dk2>
+      <a:lt2>
+        <a:srgbClr val="EEECE1"/>
+      </a:lt2>
+      <a:accent1>
+        <a:srgbClr val="4F81BD"/>
+      </a:accent1>
+      <a:accent2>
+        <a:srgbClr val="C0504D"/>
+      </a:accent2>
+      <a:accent3>
+        <a:srgbClr val="9BBB59"/>
+      </a:accent3>
+      <a:accent4>
+        <a:srgbClr val="8064A2"/>
+      </a:accent4>
+      <a:accent5>
+        <a:srgbClr val="4BACC6"/>
+      </a:accent5>
+      <a:accent6>
+        <a:srgbClr val="F79646"/>
+      </a:accent6>
+      <a:hlink>
+        <a:srgbClr val="0000FF"/>
+      </a:hlink>
+      <a:folHlink>
+        <a:srgbClr val="800080"/>
+      </a:folHlink>
+    </a:clrScheme>
+    <a:fontScheme name="Office">
+      <a:majorFont>
+        <a:latin typeface="Calibri"/>
+        <a:ea typeface=""/>
+        <a:cs typeface=""/>
+        <a:font script="Jpan" typeface="ＭＳ Ｐゴシック"/>
+        <a:font script="Hang" typeface="맑은 고딕"/>
+        <a:font script="Hans" typeface="宋体"/>
+        <a:font script="Hant" typeface="新細明體"/>
+        <a:font script="Arab" typeface="Times New Roman"/>
+        <a:font script="Hebr" typeface="Times New Roman"/>
+        <a:font script="Thai" typeface="Angsana New"/>
+        <a:font script="Ethi" typeface="Nyala"/>
+        <a:font script="Beng" typeface="Vrinda"/>
+        <a:font script="Gujr" typeface="Shruti"/>
+        <a:font script="Khmr" typeface="MoolBoran"/>
+        <a:font script="Knda" typeface="Tunga"/>
+        <a:font script="Guru" typeface="Raavi"/>
+        <a:font script="Cans" typeface="Euphemia"/>
+        <a:font script="Cher" typeface="Plantagenet Cherokee"/>
+        <a:font script="Yiii" typeface="Microsoft Yi Baiti"/>
+        <a:font script="Tibt" typeface="Microsoft Himalaya"/>
+        <a:font script="Thaa" typeface="MV Boli"/>
+        <a:font script="Deva" typeface="Mangal"/>
+        <a:font script="Telu" typeface="Gautami"/>
+        <a:font script="Taml" typeface="Latha"/>
+        <a:font script="Syrc" typeface="Estrangelo Edessa"/>
+        <a:font script="Orya" typeface="Kalinga"/>
+        <a:font script="Mlym" typeface="Kartika"/>
+        <a:font script="Laoo" typeface="DokChampa"/>
+        <a:font script="Sinh" typeface="Iskoola Pota"/>
+        <a:font script="Mong" typeface="Mongolian Baiti"/>
+        <a:font script="Viet" typeface="Times New Roman"/>
+        <a:font script="Uigh" typeface="Microsoft Uighur"/>
+        <a:font script="Geor" typeface="Sylfaen"/>
+      </a:majorFont>
+      <a:minorFont>
+        <a:latin typeface="Calibri"/>
+        <a:ea typeface=""/>
+        <a:cs typeface=""/>
+        <a:font script="Jpan" typeface="ＭＳ Ｐゴシック"/>
+        <a:font script="Hang" typeface="맑은 고딕"/>
+        <a:font script="Hans" typeface="宋体"/>
+        <a:font script="Hant" typeface="新細明體"/>
+        <a:font script="Arab" typeface="Arial"/>
+        <a:font script="Hebr" typeface="Arial"/>
+        <a:font script="Thai" typeface="Cordia New"/>
+        <a:font script="Ethi" typeface="Nyala"/>
+        <a:font script="Beng" typeface="Vrinda"/>
+        <a:font script="Gujr" typeface="Shruti"/>
+        <a:font script="Khmr" typeface="DaunPenh"/>
+        <a:font script="Knda" typeface="Tunga"/>
+        <a:font script="Guru" typeface="Raavi"/>
+        <a:font script="Cans" typeface="Euphemia"/>
+        <a:font script="Cher" typeface="Plantagenet Cherokee"/>
+        <a:font script="Yiii" typeface="Microsoft Yi Baiti"/>
+        <a:font script="Tibt" typeface="Microsoft Himalaya"/>
+        <a:font script="Thaa" typeface="MV Boli"/>
+        <a:font script="Deva" typeface="Mangal"/>
+        <a:font script="Telu" typeface="Gautami"/>
+        <a:font script="Taml" typeface="Latha"/>
+        <a:font script="Syrc" typeface="Estrangelo Edessa"/>
+        <a:font script="Orya" typeface="Kalinga"/>
+        <a:font script="Mlym" typeface="Kartika"/>
+        <a:font script="Laoo" typeface="DokChampa"/>
+        <a:font script="Sinh" typeface="Iskoola Pota"/>
+        <a:font script="Mong" typeface="Mongolian Baiti"/>
+        <a:font script="Viet" typeface="Arial"/>
+        <a:font script="Uigh" typeface="Microsoft Uighur"/>
+        <a:font script="Geor" typeface="Sylfaen"/>
+      </a:minorFont>
+    </a:fontScheme>
+    <a:fmtScheme name="Office">
+      <a:fillStyleLst>
+        <a:solidFill>
+          <a:schemeClr val="phClr"/>
+        </a:solidFill>
+        <a:gradFill rotWithShape="1">
+          <a:gsLst>
+            <a:gs pos="0">
+              <a:schemeClr val="phClr">
+                <a:tint val="50000"/>
+                <a:satMod val="300000"/>
+              </a:schemeClr>
+            </a:gs>
+            <a:gs pos="35000">
+              <a:schemeClr val="phClr">
+                <a:tint val="37000"/>
+                <a:satMod val="300000"/>
+              </a:schemeClr>
+            </a:gs>
+            <a:gs pos="100000">
+              <a:schemeClr val="phClr">
+                <a:tint val="15000"/>
+                <a:satMod val="350000"/>
+              </a:schemeClr>
+            </a:gs>
+          </a:gsLst>
+          <a:lin ang="16200000" scaled="1"/>
+        </a:gradFill>
+        <a:gradFill rotWithShape="1">
+          <a:gsLst>
+            <a:gs pos="0">
+              <a:schemeClr val="phClr">
+                <a:tint val="100000"/>
+                <a:shade val="100000"/>
+                <a:satMod val="130000"/>
+              </a:schemeClr>
+            </a:gs>
+            <a:gs pos="100000">
+              <a:schemeClr val="phClr">
+                <a:tint val="50000"/>
+                <a:shade val="100000"/>
+                <a:satMod val="350000"/>
+              </a:schemeClr>
+            </a:gs>
+          </a:gsLst>
+          <a:lin ang="16200000" scaled="0"/>
+        </a:gradFill>
+      </a:fillStyleLst>
+      <a:lnStyleLst>
+        <a:ln w="9525" cap="flat" cmpd="sng" algn="ctr">
+          <a:solidFill>
+            <a:schemeClr val="phClr">
+              <a:shade val="95000"/>
+              <a:satMod val="105000"/>
+            </a:schemeClr>
+          </a:solidFill>
+          <a:prstDash val="solid"/>
+        </a:ln>
+        <a:ln w="25400" cap="flat" cmpd="sng" algn="ctr">
+          <a:solidFill>
+            <a:schemeClr val="phClr"/>
+          </a:solidFill>
+          <a:prstDash val="solid"/>
+        </a:ln>
+        <a:ln w="38100" cap="flat" cmpd="sng" algn="ctr">
+          <a:solidFill>
+            <a:schemeClr val="phClr"/>
+          </a:solidFill>
+          <a:prstDash val="solid"/>
+        </a:ln>
+      </a:lnStyleLst>
+      <a:effectStyleLst>
+        <a:effectStyle>
+          <a:effectLst>
+            <a:outerShdw blurRad="40000" dist="20000" dir="5400000" rotWithShape="0">
+              <a:srgbClr val="000000">
+                <a:alpha val="38000"/>
+              </a:srgbClr>
+            </a:outerShdw>
+          </a:effectLst>
+        </a:effectStyle>
+        <a:effectStyle>
+          <a:effectLst>
+            <a:outerShdw blurRad="40000" dist="23000" dir="5400000" rotWithShape="0">
+              <a:srgbClr val="000000">
+                <a:alpha val="35000"/>
+              </a:srgbClr>
+            </a:outerShdw>
+          </a:effectLst>
+        </a:effectStyle>
+        <a:effectStyle>
+          <a:effectLst>
+            <a:outerShdw blurRad="40000" dist="23000" dir="5400000" rotWithShape="0">
+              <a:srgbClr val="000000">
+                <a:alpha val="35000"/>
+              </a:srgbClr>
+            </a:outerShdw>
+          </a:effectLst>
+          <a:scene3d>
+            <a:camera prst="orthographicFront">
+              <a:rot lat="0" lon="0" rev="0"/>
+            </a:camera>
+            <a:lightRig rig="threePt" dir="t">
+              <a:rot lat="0" lon="0" rev="1200000"/>
+            </a:lightRig>
+          </a:scene3d>
+          <a:sp3d>
+            <a:bevelT w="63500" h="25400"/>
+          </a:sp3d>
+        </a:effectStyle>
+      </a:effectStyleLst>
+      <a:bgFillStyleLst>
+        <a:solidFill>
+          <a:schemeClr val="phClr"/>
+        </a:solidFill>
+        <a:gradFill rotWithShape="1">
+          <a:gsLst>
+            <a:gs pos="0">
+              <a:schemeClr val="phClr">
+                <a:tint val="40000"/>
+                <a:satMod val="350000"/>
+              </a:schemeClr>
+            </a:gs>
+            <a:gs pos="40000">
+              <a:schemeClr val="phClr">
+                <a:tint val="45000"/>
+                <a:shade val="99000"/>
+                <a:satMod val="350000"/>
+              </a:schemeClr>
+            </a:gs>
+            <a:gs pos="100000">
+              <a:schemeClr val="phClr">
+                <a:shade val="20000"/>
+                <a:satMod val="255000"/>
+              </a:schemeClr>
+            </a:gs>
+          </a:gsLst>
+          <a:path path="circle">
+            <a:fillToRect l="50000" t="-80000" r="50000" b="180000"/>
+          </a:path>
+        </a:gradFill>
+        <a:gradFill rotWithShape="1">
+          <a:gsLst>
+            <a:gs pos="0">
+              <a:schemeClr val="phClr">
+                <a:tint val="80000"/>
+                <a:satMod val="300000"/>
+              </a:schemeClr>
+            </a:gs>
+            <a:gs pos="100000">
+              <a:schemeClr val="phClr">
+                <a:shade val="30000"/>
+                <a:satMod val="200000"/>
+              </a:schemeClr>
+            </a:gs>
+          </a:gsLst>
+          <a:path path="circle">
+            <a:fillToRect l="50000" t="50000" r="50000" b="50000"/>
+          </a:path>
+        </a:gradFill>
+      </a:bgFillStyleLst>
+    </a:fmtScheme>
+  </a:themeElements>
+  <a:objectDefaults>
+    <a:spDef>
+      <a:spPr/>
+      <a:bodyPr/>
+      <a:lstStyle/>
+      <a:style>
+        <a:lnRef idx="1">
+          <a:schemeClr val="accent1"/>
+        </a:lnRef>
+        <a:fillRef idx="3">
+          <a:schemeClr val="accent1"/>
+        </a:fillRef>
+        <a:effectRef idx="2">
+          <a:schemeClr val="accent1"/>
+        </a:effectRef>
+        <a:fontRef idx="minor">
+          <a:schemeClr val="lt1"/>
+        </a:fontRef>
+      </a:style>
+    </a:spDef>
+    <a:lnDef>
+      <a:spPr/>
+      <a:bodyPr/>
+      <a:lstStyle/>
+      <a:style>
+        <a:lnRef idx="2">
+          <a:schemeClr val="accent1"/>
+        </a:lnRef>
+        <a:fillRef idx="0">
+          <a:schemeClr val="accent1"/>
+        </a:fillRef>
+        <a:effectRef idx="1">
+          <a:schemeClr val="accent1"/>
+        </a:effectRef>
+        <a:fontRef idx="minor">
+          <a:schemeClr val="tx1"/>
+        </a:fontRef>
+      </a:style>
+    </a:lnDef>
+  </a:objectDefaults>
+  <a:extraClrSchemeLst/>
+</a:theme>
 </file>
--- a/cparvini/FowlerFlapPresentation.pptx
+++ b/cparvini/FowlerFlapPresentation.pptx
@@ -4966,6 +4966,13 @@
   <p:clrMapOvr>
     <a:masterClrMapping/>
   </p:clrMapOvr>
+  <p:timing>
+    <p:tnLst>
+      <p:par>
+        <p:cTn id="1" dur="indefinite" restart="never" nodeType="tmRoot"/>
+      </p:par>
+    </p:tnLst>
+  </p:timing>
 </p:sld>
 </file>
 
@@ -5112,11 +5119,7 @@
           <a:p>
             <a:r>
               <a:rPr lang="en-US" sz="1400" dirty="0" smtClean="0"/>
-              <a:t>http</a:t>
-            </a:r>
-            <a:r>
-              <a:rPr lang="en-US" sz="1400" dirty="0" smtClean="0"/>
-              <a:t>://www.decodedscience.com/wing-flaps-for-lift-augmentation-in-aircraft/11831/2</a:t>
+              <a:t>http://www.decodedscience.com/wing-flaps-for-lift-augmentation-in-aircraft/11831/2</a:t>
             </a:r>
             <a:endParaRPr lang="en-US" sz="1400" dirty="0"/>
           </a:p>
@@ -5127,6 +5130,13 @@
   <p:clrMapOvr>
     <a:masterClrMapping/>
   </p:clrMapOvr>
+  <p:timing>
+    <p:tnLst>
+      <p:par>
+        <p:cTn id="1" dur="indefinite" restart="never" nodeType="tmRoot"/>
+      </p:par>
+    </p:tnLst>
+  </p:timing>
 </p:sld>
 </file>
 
@@ -5206,11 +5216,7 @@
           <a:p>
             <a:r>
               <a:rPr lang="en-US" dirty="0" smtClean="0"/>
-              <a:t>Paulson</a:t>
-            </a:r>
-            <a:r>
-              <a:rPr lang="en-US" dirty="0" smtClean="0"/>
-              <a:t>, John W. Jr., *"Wind-Tunnel Investigation of a Fowler Flap and Spoiler for an Advanced General Aviation Wing,"* Langley Research Center, Hampton, VA 23665. June 1976. NASA TN D-8236.</a:t>
+              <a:t>Paulson, John W. Jr., *"Wind-Tunnel Investigation of a Fowler Flap and Spoiler for an Advanced General Aviation Wing,"* Langley Research Center, Hampton, VA 23665. June 1976. NASA TN D-8236.</a:t>
             </a:r>
             <a:endParaRPr lang="en-US" dirty="0"/>
           </a:p>
@@ -5247,6 +5253,13 @@
   <p:clrMapOvr>
     <a:masterClrMapping/>
   </p:clrMapOvr>
+  <p:timing>
+    <p:tnLst>
+      <p:par>
+        <p:cTn id="1" dur="indefinite" restart="never" nodeType="tmRoot"/>
+      </p:par>
+    </p:tnLst>
+  </p:timing>
 </p:sld>
 </file>
 
@@ -5307,24 +5320,14 @@
           <a:p>
             <a:r>
               <a:rPr lang="en-US" dirty="0" smtClean="0"/>
-              <a:t>Several functions </a:t>
-            </a:r>
-            <a:r>
-              <a:rPr lang="en-US" dirty="0" smtClean="0"/>
-              <a:t>were altered to accept two </a:t>
-            </a:r>
-            <a:r>
-              <a:rPr lang="en-US" dirty="0" smtClean="0"/>
-              <a:t>foils</a:t>
-            </a:r>
-            <a:endParaRPr lang="en-US" dirty="0" smtClean="0"/>
+              <a:t>Several functions were altered to accept two foils</a:t>
+            </a:r>
           </a:p>
           <a:p>
             <a:r>
               <a:rPr lang="en-US" dirty="0" smtClean="0"/>
               <a:t>Two new functions added:</a:t>
             </a:r>
-            <a:endParaRPr lang="en-US" dirty="0" smtClean="0"/>
           </a:p>
           <a:p>
             <a:pPr lvl="1"/>
@@ -5347,6 +5350,13 @@
   <p:clrMapOvr>
     <a:masterClrMapping/>
   </p:clrMapOvr>
+  <p:timing>
+    <p:tnLst>
+      <p:par>
+        <p:cTn id="1" dur="indefinite" restart="never" nodeType="tmRoot"/>
+      </p:par>
+    </p:tnLst>
+  </p:timing>
 </p:sld>
 </file>
 
@@ -5435,11 +5445,7 @@
             </a:r>
             <a:r>
               <a:rPr lang="en-US" dirty="0" smtClean="0"/>
-              <a:t> </a:t>
-            </a:r>
-            <a:r>
-              <a:rPr lang="en-US" dirty="0" smtClean="0"/>
-              <a:t>appears within reason for the first several steps</a:t>
+              <a:t> appears within reason for the first several steps</a:t>
             </a:r>
           </a:p>
           <a:p>
@@ -5451,23 +5457,7 @@
           <a:p>
             <a:r>
               <a:rPr lang="en-US" dirty="0" smtClean="0"/>
-              <a:t>Animation functions </a:t>
-            </a:r>
-            <a:r>
-              <a:rPr lang="en-US" dirty="0" smtClean="0"/>
-              <a:t>were slow, </a:t>
-            </a:r>
-            <a:r>
-              <a:rPr lang="en-US" dirty="0" smtClean="0"/>
-              <a:t>but the </a:t>
-            </a:r>
-            <a:r>
-              <a:rPr lang="en-US" dirty="0" smtClean="0"/>
-              <a:t>video is </a:t>
-            </a:r>
-            <a:r>
-              <a:rPr lang="en-US" dirty="0" smtClean="0"/>
-              <a:t>clean</a:t>
+              <a:t>Animation functions were slow, but the video is clean</a:t>
             </a:r>
           </a:p>
         </p:txBody>
@@ -5489,7 +5479,7 @@
         </p:blipFill>
         <p:spPr bwMode="auto">
           <a:xfrm>
-            <a:off x="4419600" y="1143000"/>
+            <a:off x="4527415" y="1143000"/>
             <a:ext cx="4768985" cy="2862072"/>
           </a:xfrm>
           <a:prstGeom prst="rect">
@@ -5529,6 +5519,13 @@
   <p:clrMapOvr>
     <a:masterClrMapping/>
   </p:clrMapOvr>
+  <p:timing>
+    <p:tnLst>
+      <p:par>
+        <p:cTn id="1" dur="indefinite" restart="never" nodeType="tmRoot"/>
+      </p:par>
+    </p:tnLst>
+  </p:timing>
 </p:sld>
 </file>
 
@@ -5641,6 +5638,13 @@
   <p:clrMapOvr>
     <a:masterClrMapping/>
   </p:clrMapOvr>
+  <p:timing>
+    <p:tnLst>
+      <p:par>
+        <p:cTn id="1" dur="indefinite" restart="never" nodeType="tmRoot"/>
+      </p:par>
+    </p:tnLst>
+  </p:timing>
 </p:sld>
 </file>
 
@@ -5741,6 +5745,13 @@
   <p:clrMapOvr>
     <a:masterClrMapping/>
   </p:clrMapOvr>
+  <p:timing>
+    <p:tnLst>
+      <p:par>
+        <p:cTn id="1" dur="indefinite" restart="never" nodeType="tmRoot"/>
+      </p:par>
+    </p:tnLst>
+  </p:timing>
 </p:sld>
 </file>
 
